--- a/slides/03.pptx
+++ b/slides/03.pptx
@@ -122,6 +122,22 @@
       </a:defRPr>
     </a:lvl9pPr>
   </p:defaultTextStyle>
+  <p:extLst>
+    <p:ext uri="{EFAFB233-063F-42B5-8137-9DF3F51BA10A}">
+      <p15:sldGuideLst xmlns:p15="http://schemas.microsoft.com/office/powerpoint/2012/main">
+        <p15:guide id="1" orient="horz" pos="2160">
+          <p15:clr>
+            <a:srgbClr val="A4A3A4"/>
+          </p15:clr>
+        </p15:guide>
+        <p15:guide id="2" pos="2880">
+          <p15:clr>
+            <a:srgbClr val="A4A3A4"/>
+          </p15:clr>
+        </p15:guide>
+      </p15:sldGuideLst>
+    </p:ext>
+  </p:extLst>
 </p:presentation>
 </file>
 
@@ -207,7 +223,7 @@
           <a:p>
             <a:fld id="{2A94AA5B-A8EE-4DCD-80A3-7365DA41FF59}" type="datetimeFigureOut">
               <a:rPr lang="en-US" smtClean="0"/>
-              <a:t>1/26/2018</a:t>
+              <a:t>17/5/2018</a:t>
             </a:fld>
             <a:endParaRPr lang="en-US"/>
           </a:p>
@@ -697,7 +713,7 @@
           <a:p>
             <a:fld id="{D33393BA-71B2-418D-8C60-58889831A0EC}" type="datetimeFigureOut">
               <a:rPr lang="en-US" smtClean="0"/>
-              <a:t>1/26/2018</a:t>
+              <a:t>17/5/2018</a:t>
             </a:fld>
             <a:endParaRPr lang="en-US"/>
           </a:p>
@@ -1020,7 +1036,7 @@
           <a:p>
             <a:fld id="{D33393BA-71B2-418D-8C60-58889831A0EC}" type="datetimeFigureOut">
               <a:rPr lang="en-US" smtClean="0"/>
-              <a:t>1/26/2018</a:t>
+              <a:t>17/5/2018</a:t>
             </a:fld>
             <a:endParaRPr lang="en-US"/>
           </a:p>
@@ -1212,7 +1228,7 @@
           <a:p>
             <a:fld id="{D33393BA-71B2-418D-8C60-58889831A0EC}" type="datetimeFigureOut">
               <a:rPr lang="en-US" smtClean="0"/>
-              <a:t>1/26/2018</a:t>
+              <a:t>17/5/2018</a:t>
             </a:fld>
             <a:endParaRPr lang="en-US"/>
           </a:p>
@@ -1380,7 +1396,7 @@
           <a:p>
             <a:fld id="{D33393BA-71B2-418D-8C60-58889831A0EC}" type="datetimeFigureOut">
               <a:rPr lang="en-US" smtClean="0"/>
-              <a:t>1/26/2018</a:t>
+              <a:t>17/5/2018</a:t>
             </a:fld>
             <a:endParaRPr lang="en-US"/>
           </a:p>
@@ -1558,7 +1574,7 @@
           <a:p>
             <a:fld id="{D33393BA-71B2-418D-8C60-58889831A0EC}" type="datetimeFigureOut">
               <a:rPr lang="en-US" smtClean="0"/>
-              <a:t>1/26/2018</a:t>
+              <a:t>17/5/2018</a:t>
             </a:fld>
             <a:endParaRPr lang="en-US"/>
           </a:p>
@@ -1850,7 +1866,7 @@
           <a:p>
             <a:fld id="{D33393BA-71B2-418D-8C60-58889831A0EC}" type="datetimeFigureOut">
               <a:rPr lang="en-US" smtClean="0"/>
-              <a:t>1/26/2018</a:t>
+              <a:t>17/5/2018</a:t>
             </a:fld>
             <a:endParaRPr lang="en-US"/>
           </a:p>
@@ -2120,7 +2136,7 @@
             <a:fld id="{8F97F932-D99A-4087-BFB1-EA42FAFC8D2C}" type="datetime1">
               <a:rPr lang="en-US" smtClean="0"/>
               <a:pPr/>
-              <a:t>1/26/2018</a:t>
+              <a:t>17/5/2018</a:t>
             </a:fld>
             <a:endParaRPr lang="en-US"/>
           </a:p>
@@ -2419,7 +2435,7 @@
           <a:p>
             <a:fld id="{D33393BA-71B2-418D-8C60-58889831A0EC}" type="datetimeFigureOut">
               <a:rPr lang="en-US" smtClean="0"/>
-              <a:t>1/26/2018</a:t>
+              <a:t>17/5/2018</a:t>
             </a:fld>
             <a:endParaRPr lang="en-US"/>
           </a:p>
@@ -2712,7 +2728,7 @@
           <a:p>
             <a:fld id="{D33393BA-71B2-418D-8C60-58889831A0EC}" type="datetimeFigureOut">
               <a:rPr lang="en-US" smtClean="0"/>
-              <a:t>1/26/2018</a:t>
+              <a:t>17/5/2018</a:t>
             </a:fld>
             <a:endParaRPr lang="en-US"/>
           </a:p>
@@ -3140,7 +3156,7 @@
           <a:p>
             <a:fld id="{D33393BA-71B2-418D-8C60-58889831A0EC}" type="datetimeFigureOut">
               <a:rPr lang="en-US" smtClean="0"/>
-              <a:t>1/26/2018</a:t>
+              <a:t>17/5/2018</a:t>
             </a:fld>
             <a:endParaRPr lang="en-US"/>
           </a:p>
@@ -3370,7 +3386,7 @@
           <a:p>
             <a:fld id="{D33393BA-71B2-418D-8C60-58889831A0EC}" type="datetimeFigureOut">
               <a:rPr lang="en-US" smtClean="0"/>
-              <a:t>1/26/2018</a:t>
+              <a:t>17/5/2018</a:t>
             </a:fld>
             <a:endParaRPr lang="en-US"/>
           </a:p>
@@ -3460,7 +3476,7 @@
           <a:p>
             <a:fld id="{D33393BA-71B2-418D-8C60-58889831A0EC}" type="datetimeFigureOut">
               <a:rPr lang="en-US" smtClean="0"/>
-              <a:t>1/26/2018</a:t>
+              <a:t>17/5/2018</a:t>
             </a:fld>
             <a:endParaRPr lang="en-US"/>
           </a:p>
@@ -3710,7 +3726,7 @@
           <a:p>
             <a:fld id="{D33393BA-71B2-418D-8C60-58889831A0EC}" type="datetimeFigureOut">
               <a:rPr lang="en-US" smtClean="0"/>
-              <a:t>1/26/2018</a:t>
+              <a:t>17/5/2018</a:t>
             </a:fld>
             <a:endParaRPr lang="en-US"/>
           </a:p>
@@ -4226,7 +4242,7 @@
           <a:p>
             <a:fld id="{D33393BA-71B2-418D-8C60-58889831A0EC}" type="datetimeFigureOut">
               <a:rPr lang="en-US" smtClean="0"/>
-              <a:t>1/26/2018</a:t>
+              <a:t>17/5/2018</a:t>
             </a:fld>
             <a:endParaRPr lang="en-US"/>
           </a:p>
@@ -4391,7 +4407,7 @@
           <a:p>
             <a:fld id="{D33393BA-71B2-418D-8C60-58889831A0EC}" type="datetimeFigureOut">
               <a:rPr lang="en-US" smtClean="0"/>
-              <a:t>1/26/2018</a:t>
+              <a:t>17/5/2018</a:t>
             </a:fld>
             <a:endParaRPr lang="en-US"/>
           </a:p>
@@ -4566,7 +4582,7 @@
           <a:p>
             <a:fld id="{D33393BA-71B2-418D-8C60-58889831A0EC}" type="datetimeFigureOut">
               <a:rPr lang="en-US" smtClean="0"/>
-              <a:t>1/26/2018</a:t>
+              <a:t>17/5/2018</a:t>
             </a:fld>
             <a:endParaRPr lang="en-US"/>
           </a:p>
@@ -4814,7 +4830,7 @@
           <a:p>
             <a:fld id="{D33393BA-71B2-418D-8C60-58889831A0EC}" type="datetimeFigureOut">
               <a:rPr lang="en-US" smtClean="0"/>
-              <a:t>1/26/2018</a:t>
+              <a:t>17/5/2018</a:t>
             </a:fld>
             <a:endParaRPr lang="en-US"/>
           </a:p>
@@ -4998,7 +5014,7 @@
             <a:fld id="{8F97F932-D99A-4087-BFB1-EA42FAFC8D2C}" type="datetime1">
               <a:rPr lang="en-US" smtClean="0"/>
               <a:pPr/>
-              <a:t>1/26/2018</a:t>
+              <a:t>17/5/2018</a:t>
             </a:fld>
             <a:endParaRPr lang="en-US"/>
           </a:p>
@@ -5261,7 +5277,7 @@
           <a:p>
             <a:fld id="{D33393BA-71B2-418D-8C60-58889831A0EC}" type="datetimeFigureOut">
               <a:rPr lang="en-US" smtClean="0"/>
-              <a:t>1/26/2018</a:t>
+              <a:t>17/5/2018</a:t>
             </a:fld>
             <a:endParaRPr lang="en-US"/>
           </a:p>
@@ -5609,7 +5625,7 @@
           <a:p>
             <a:fld id="{D33393BA-71B2-418D-8C60-58889831A0EC}" type="datetimeFigureOut">
               <a:rPr lang="en-US" smtClean="0"/>
-              <a:t>1/26/2018</a:t>
+              <a:t>17/5/2018</a:t>
             </a:fld>
             <a:endParaRPr lang="en-US"/>
           </a:p>
@@ -5864,7 +5880,7 @@
           <a:p>
             <a:fld id="{D33393BA-71B2-418D-8C60-58889831A0EC}" type="datetimeFigureOut">
               <a:rPr lang="en-US" smtClean="0"/>
-              <a:t>1/26/2018</a:t>
+              <a:t>17/5/2018</a:t>
             </a:fld>
             <a:endParaRPr lang="en-US"/>
           </a:p>
@@ -6128,7 +6144,7 @@
           <a:p>
             <a:fld id="{D33393BA-71B2-418D-8C60-58889831A0EC}" type="datetimeFigureOut">
               <a:rPr lang="en-US" smtClean="0"/>
-              <a:t>1/26/2018</a:t>
+              <a:t>17/5/2018</a:t>
             </a:fld>
             <a:endParaRPr lang="en-US"/>
           </a:p>
@@ -6355,7 +6371,7 @@
           <a:p>
             <a:fld id="{D33393BA-71B2-418D-8C60-58889831A0EC}" type="datetimeFigureOut">
               <a:rPr lang="en-US" smtClean="0"/>
-              <a:t>1/26/2018</a:t>
+              <a:t>17/5/2018</a:t>
             </a:fld>
             <a:endParaRPr lang="en-US"/>
           </a:p>
@@ -6445,7 +6461,7 @@
           <a:p>
             <a:fld id="{D33393BA-71B2-418D-8C60-58889831A0EC}" type="datetimeFigureOut">
               <a:rPr lang="en-US" smtClean="0"/>
-              <a:t>1/26/2018</a:t>
+              <a:t>17/5/2018</a:t>
             </a:fld>
             <a:endParaRPr lang="en-US"/>
           </a:p>
@@ -6733,7 +6749,7 @@
           <a:p>
             <a:fld id="{D33393BA-71B2-418D-8C60-58889831A0EC}" type="datetimeFigureOut">
               <a:rPr lang="en-US" smtClean="0"/>
-              <a:t>1/26/2018</a:t>
+              <a:t>17/5/2018</a:t>
             </a:fld>
             <a:endParaRPr lang="en-US"/>
           </a:p>
@@ -7002,7 +7018,7 @@
           <a:p>
             <a:fld id="{D33393BA-71B2-418D-8C60-58889831A0EC}" type="datetimeFigureOut">
               <a:rPr lang="en-US" smtClean="0"/>
-              <a:t>1/26/2018</a:t>
+              <a:t>17/5/2018</a:t>
             </a:fld>
             <a:endParaRPr lang="en-US"/>
           </a:p>
@@ -7167,7 +7183,7 @@
           <a:p>
             <a:fld id="{D33393BA-71B2-418D-8C60-58889831A0EC}" type="datetimeFigureOut">
               <a:rPr lang="en-US" smtClean="0"/>
-              <a:t>1/26/2018</a:t>
+              <a:t>17/5/2018</a:t>
             </a:fld>
             <a:endParaRPr lang="en-US"/>
           </a:p>
@@ -7342,7 +7358,7 @@
           <a:p>
             <a:fld id="{D33393BA-71B2-418D-8C60-58889831A0EC}" type="datetimeFigureOut">
               <a:rPr lang="en-US" smtClean="0"/>
-              <a:t>1/26/2018</a:t>
+              <a:t>17/5/2018</a:t>
             </a:fld>
             <a:endParaRPr lang="en-US"/>
           </a:p>
@@ -7629,7 +7645,7 @@
           <a:p>
             <a:fld id="{D33393BA-71B2-418D-8C60-58889831A0EC}" type="datetimeFigureOut">
               <a:rPr lang="en-US" smtClean="0"/>
-              <a:t>1/26/2018</a:t>
+              <a:t>17/5/2018</a:t>
             </a:fld>
             <a:endParaRPr lang="en-US"/>
           </a:p>
@@ -8068,7 +8084,7 @@
           <a:p>
             <a:fld id="{D33393BA-71B2-418D-8C60-58889831A0EC}" type="datetimeFigureOut">
               <a:rPr lang="en-US" smtClean="0"/>
-              <a:t>1/26/2018</a:t>
+              <a:t>17/5/2018</a:t>
             </a:fld>
             <a:endParaRPr lang="en-US"/>
           </a:p>
@@ -8198,7 +8214,7 @@
           <a:p>
             <a:fld id="{D33393BA-71B2-418D-8C60-58889831A0EC}" type="datetimeFigureOut">
               <a:rPr lang="en-US" smtClean="0"/>
-              <a:t>1/26/2018</a:t>
+              <a:t>17/5/2018</a:t>
             </a:fld>
             <a:endParaRPr lang="en-US"/>
           </a:p>
@@ -8305,7 +8321,7 @@
           <a:p>
             <a:fld id="{D33393BA-71B2-418D-8C60-58889831A0EC}" type="datetimeFigureOut">
               <a:rPr lang="en-US" smtClean="0"/>
-              <a:t>1/26/2018</a:t>
+              <a:t>17/5/2018</a:t>
             </a:fld>
             <a:endParaRPr lang="en-US"/>
           </a:p>
@@ -8594,7 +8610,7 @@
           <a:p>
             <a:fld id="{D33393BA-71B2-418D-8C60-58889831A0EC}" type="datetimeFigureOut">
               <a:rPr lang="en-US" smtClean="0"/>
-              <a:t>1/26/2018</a:t>
+              <a:t>17/5/2018</a:t>
             </a:fld>
             <a:endParaRPr lang="en-US"/>
           </a:p>
@@ -8863,7 +8879,7 @@
           <a:p>
             <a:fld id="{D33393BA-71B2-418D-8C60-58889831A0EC}" type="datetimeFigureOut">
               <a:rPr lang="en-US" smtClean="0"/>
-              <a:t>1/26/2018</a:t>
+              <a:t>17/5/2018</a:t>
             </a:fld>
             <a:endParaRPr lang="en-US"/>
           </a:p>
@@ -9123,7 +9139,7 @@
           <a:p>
             <a:fld id="{D33393BA-71B2-418D-8C60-58889831A0EC}" type="datetimeFigureOut">
               <a:rPr lang="en-US" smtClean="0"/>
-              <a:t>1/26/2018</a:t>
+              <a:t>17/5/2018</a:t>
             </a:fld>
             <a:endParaRPr lang="en-US"/>
           </a:p>
@@ -9964,7 +9980,7 @@
           <a:p>
             <a:fld id="{D33393BA-71B2-418D-8C60-58889831A0EC}" type="datetimeFigureOut">
               <a:rPr lang="en-US" smtClean="0"/>
-              <a:t>1/26/2018</a:t>
+              <a:t>17/5/2018</a:t>
             </a:fld>
             <a:endParaRPr lang="en-US"/>
           </a:p>
@@ -10645,7 +10661,7 @@
           <a:p>
             <a:fld id="{D33393BA-71B2-418D-8C60-58889831A0EC}" type="datetimeFigureOut">
               <a:rPr lang="en-US" smtClean="0"/>
-              <a:t>1/26/2018</a:t>
+              <a:t>17/5/2018</a:t>
             </a:fld>
             <a:endParaRPr lang="en-US"/>
           </a:p>
@@ -15821,13 +15837,6 @@
               </a:rPr>
               <a:t>@angular/cli </a:t>
             </a:r>
-            <a:endParaRPr lang="en-US" sz="2800" b="1" i="1" dirty="0" smtClean="0">
-              <a:solidFill>
-                <a:schemeClr val="tx2"/>
-              </a:solidFill>
-              <a:latin typeface="Times New Roman" panose="02020603050405020304" pitchFamily="18" charset="0"/>
-              <a:cs typeface="Times New Roman" panose="02020603050405020304" pitchFamily="18" charset="0"/>
-            </a:endParaRPr>
           </a:p>
           <a:p>
             <a:r>
@@ -15908,35 +15917,33 @@
               <a:t>ng </a:t>
             </a:r>
             <a:r>
-              <a:rPr lang="en-US" sz="2800" i="1" dirty="0" smtClean="0">
+              <a:rPr lang="en-US" sz="2800" i="1" smtClean="0">
                 <a:latin typeface="Times New Roman" panose="02020603050405020304" pitchFamily="18" charset="0"/>
                 <a:cs typeface="Times New Roman" panose="02020603050405020304" pitchFamily="18" charset="0"/>
               </a:rPr>
               <a:t>serve </a:t>
             </a:r>
             <a:r>
-              <a:rPr lang="en-US" sz="2800" b="1" i="1" dirty="0" smtClean="0">
+              <a:rPr lang="en-US" sz="2800" i="1" smtClean="0">
+                <a:latin typeface="Times New Roman" panose="02020603050405020304" pitchFamily="18" charset="0"/>
+                <a:cs typeface="Times New Roman" panose="02020603050405020304" pitchFamily="18" charset="0"/>
+              </a:rPr>
+              <a:t>–o</a:t>
+            </a:r>
+          </a:p>
+          <a:p>
+            <a:r>
+              <a:rPr lang="en-US" sz="2800" b="1" smtClean="0">
                 <a:solidFill>
                   <a:schemeClr val="accent1">
-                    <a:lumMod val="75000"/>
+                    <a:lumMod val="50000"/>
                   </a:schemeClr>
                 </a:solidFill>
                 <a:latin typeface="Times New Roman" panose="02020603050405020304" pitchFamily="18" charset="0"/>
                 <a:cs typeface="Times New Roman" panose="02020603050405020304" pitchFamily="18" charset="0"/>
               </a:rPr>
-              <a:t>[--port 1234]</a:t>
-            </a:r>
-            <a:endParaRPr lang="en-US" sz="2800" b="1" i="1" dirty="0">
-              <a:solidFill>
-                <a:schemeClr val="accent1">
-                  <a:lumMod val="75000"/>
-                </a:schemeClr>
-              </a:solidFill>
-              <a:latin typeface="Times New Roman" panose="02020603050405020304" pitchFamily="18" charset="0"/>
-              <a:cs typeface="Times New Roman" panose="02020603050405020304" pitchFamily="18" charset="0"/>
-            </a:endParaRPr>
-          </a:p>
-          <a:p>
+              <a:t>4</a:t>
+            </a:r>
             <a:r>
               <a:rPr lang="en-US" sz="2800" b="1" dirty="0" smtClean="0">
                 <a:solidFill>
@@ -15947,7 +15954,7 @@
                 <a:latin typeface="Times New Roman" panose="02020603050405020304" pitchFamily="18" charset="0"/>
                 <a:cs typeface="Times New Roman" panose="02020603050405020304" pitchFamily="18" charset="0"/>
               </a:rPr>
-              <a:t>4. Stop App: </a:t>
+              <a:t>. Stop App: </a:t>
             </a:r>
             <a:r>
               <a:rPr lang="en-US" sz="2800" b="1" dirty="0" smtClean="0">
@@ -16537,19 +16544,7 @@
                 <a:latin typeface="Times New Roman" panose="02020603050405020304" pitchFamily="18" charset="0"/>
                 <a:cs typeface="Times New Roman" panose="02020603050405020304" pitchFamily="18" charset="0"/>
               </a:rPr>
-              <a:t>Http </a:t>
-            </a:r>
-            <a:r>
-              <a:rPr lang="en-US" sz="2800" b="1" smtClean="0">
-                <a:solidFill>
-                  <a:schemeClr val="accent1">
-                    <a:lumMod val="50000"/>
-                  </a:schemeClr>
-                </a:solidFill>
-                <a:latin typeface="Times New Roman" panose="02020603050405020304" pitchFamily="18" charset="0"/>
-                <a:cs typeface="Times New Roman" panose="02020603050405020304" pitchFamily="18" charset="0"/>
-              </a:rPr>
-              <a:t>Module</a:t>
+              <a:t>Http Module</a:t>
             </a:r>
             <a:endParaRPr lang="en-US" sz="2800" i="1" dirty="0">
               <a:solidFill>
